--- a/2019-qomex-guse-et-al/poster_madness.pptx
+++ b/2019-qomex-guse-et-al/poster_madness.pptx
@@ -192,7 +192,7 @@
           <a:p>
             <a:fld id="{59DD1C46-D326-BD40-8956-D8FC7A8F5DE2}" type="datetimeFigureOut">
               <a:rPr lang="en-US" smtClean="0"/>
-              <a:t>6/6/2019</a:t>
+              <a:t>6/7/2019</a:t>
             </a:fld>
             <a:endParaRPr lang="en-US"/>
           </a:p>
@@ -1118,7 +1118,7 @@
           <a:p>
             <a:fld id="{FE6A5F57-D346-AD4E-AC8A-61693F24CF60}" type="datetimeFigureOut">
               <a:rPr lang="en-US" smtClean="0"/>
-              <a:t>6/6/2019</a:t>
+              <a:t>6/7/2019</a:t>
             </a:fld>
             <a:endParaRPr lang="en-US"/>
           </a:p>
@@ -1288,7 +1288,7 @@
           <a:p>
             <a:fld id="{FE6A5F57-D346-AD4E-AC8A-61693F24CF60}" type="datetimeFigureOut">
               <a:rPr lang="en-US" smtClean="0"/>
-              <a:t>6/6/2019</a:t>
+              <a:t>6/7/2019</a:t>
             </a:fld>
             <a:endParaRPr lang="en-US"/>
           </a:p>
@@ -1468,7 +1468,7 @@
           <a:p>
             <a:fld id="{FE6A5F57-D346-AD4E-AC8A-61693F24CF60}" type="datetimeFigureOut">
               <a:rPr lang="en-US" smtClean="0"/>
-              <a:t>6/6/2019</a:t>
+              <a:t>6/7/2019</a:t>
             </a:fld>
             <a:endParaRPr lang="en-US"/>
           </a:p>
@@ -1638,7 +1638,7 @@
           <a:p>
             <a:fld id="{FE6A5F57-D346-AD4E-AC8A-61693F24CF60}" type="datetimeFigureOut">
               <a:rPr lang="en-US" smtClean="0"/>
-              <a:t>6/6/2019</a:t>
+              <a:t>6/7/2019</a:t>
             </a:fld>
             <a:endParaRPr lang="en-US"/>
           </a:p>
@@ -1884,7 +1884,7 @@
           <a:p>
             <a:fld id="{FE6A5F57-D346-AD4E-AC8A-61693F24CF60}" type="datetimeFigureOut">
               <a:rPr lang="en-US" smtClean="0"/>
-              <a:t>6/6/2019</a:t>
+              <a:t>6/7/2019</a:t>
             </a:fld>
             <a:endParaRPr lang="en-US"/>
           </a:p>
@@ -2172,7 +2172,7 @@
           <a:p>
             <a:fld id="{FE6A5F57-D346-AD4E-AC8A-61693F24CF60}" type="datetimeFigureOut">
               <a:rPr lang="en-US" smtClean="0"/>
-              <a:t>6/6/2019</a:t>
+              <a:t>6/7/2019</a:t>
             </a:fld>
             <a:endParaRPr lang="en-US"/>
           </a:p>
@@ -2594,7 +2594,7 @@
           <a:p>
             <a:fld id="{FE6A5F57-D346-AD4E-AC8A-61693F24CF60}" type="datetimeFigureOut">
               <a:rPr lang="en-US" smtClean="0"/>
-              <a:t>6/6/2019</a:t>
+              <a:t>6/7/2019</a:t>
             </a:fld>
             <a:endParaRPr lang="en-US"/>
           </a:p>
@@ -2712,7 +2712,7 @@
           <a:p>
             <a:fld id="{FE6A5F57-D346-AD4E-AC8A-61693F24CF60}" type="datetimeFigureOut">
               <a:rPr lang="en-US" smtClean="0"/>
-              <a:t>6/6/2019</a:t>
+              <a:t>6/7/2019</a:t>
             </a:fld>
             <a:endParaRPr lang="en-US"/>
           </a:p>
@@ -2807,7 +2807,7 @@
           <a:p>
             <a:fld id="{FE6A5F57-D346-AD4E-AC8A-61693F24CF60}" type="datetimeFigureOut">
               <a:rPr lang="en-US" smtClean="0"/>
-              <a:t>6/6/2019</a:t>
+              <a:t>6/7/2019</a:t>
             </a:fld>
             <a:endParaRPr lang="en-US"/>
           </a:p>
@@ -3084,7 +3084,7 @@
           <a:p>
             <a:fld id="{FE6A5F57-D346-AD4E-AC8A-61693F24CF60}" type="datetimeFigureOut">
               <a:rPr lang="en-US" smtClean="0"/>
-              <a:t>6/6/2019</a:t>
+              <a:t>6/7/2019</a:t>
             </a:fld>
             <a:endParaRPr lang="en-US"/>
           </a:p>
@@ -3337,7 +3337,7 @@
           <a:p>
             <a:fld id="{FE6A5F57-D346-AD4E-AC8A-61693F24CF60}" type="datetimeFigureOut">
               <a:rPr lang="en-US" smtClean="0"/>
-              <a:t>6/6/2019</a:t>
+              <a:t>6/7/2019</a:t>
             </a:fld>
             <a:endParaRPr lang="en-US"/>
           </a:p>
@@ -3550,7 +3550,7 @@
           <a:p>
             <a:fld id="{FE6A5F57-D346-AD4E-AC8A-61693F24CF60}" type="datetimeFigureOut">
               <a:rPr lang="en-US" smtClean="0"/>
-              <a:t>6/6/2019</a:t>
+              <a:t>6/7/2019</a:t>
             </a:fld>
             <a:endParaRPr lang="en-US"/>
           </a:p>
